--- a/Curriculum/Week_5/Lectures/5.1_MySQL.pptx
+++ b/Curriculum/Week_5/Lectures/5.1_MySQL.pptx
@@ -621,7 +621,7 @@
         </p:nvSpPr>
         <p:spPr>
           <a:xfrm>
-            <a:off x="381300" y="685800"/>
+            <a:off x="381000" y="685800"/>
             <a:ext cx="6096000" cy="3429000"/>
           </a:xfrm>
           <a:custGeom>
@@ -1738,7 +1738,7 @@
         </p:nvSpPr>
         <p:spPr>
           <a:xfrm>
-            <a:off x="381300" y="685800"/>
+            <a:off x="381000" y="685800"/>
             <a:ext cx="6096000" cy="3429000"/>
           </a:xfrm>
           <a:custGeom>
@@ -6019,7 +6019,7 @@
               <a:buNone/>
             </a:pPr>
             <a:r>
-              <a:rPr lang="en" sz="1400">
+              <a:rPr lang="en" sz="1400" dirty="0">
                 <a:solidFill>
                   <a:srgbClr val="999999"/>
                 </a:solidFill>
@@ -6045,7 +6045,7 @@
               <a:buNone/>
             </a:pPr>
             <a:r>
-              <a:rPr lang="en" sz="1400">
+              <a:rPr lang="en" sz="1400" dirty="0">
                 <a:solidFill>
                   <a:srgbClr val="999999"/>
                 </a:solidFill>
@@ -6071,7 +6071,7 @@
               <a:buNone/>
             </a:pPr>
             <a:r>
-              <a:rPr lang="en" sz="1400">
+              <a:rPr lang="en" sz="1400" dirty="0">
                 <a:solidFill>
                   <a:srgbClr val="000000"/>
                 </a:solidFill>
@@ -6097,7 +6097,7 @@
               <a:buNone/>
             </a:pPr>
             <a:r>
-              <a:rPr lang="en" sz="1400">
+              <a:rPr lang="en" sz="1400" dirty="0">
                 <a:solidFill>
                   <a:srgbClr val="999999"/>
                 </a:solidFill>
@@ -6123,7 +6123,7 @@
               <a:buNone/>
             </a:pPr>
             <a:r>
-              <a:rPr lang="en" sz="1400">
+              <a:rPr lang="en" sz="1400" dirty="0">
                 <a:solidFill>
                   <a:srgbClr val="000000"/>
                 </a:solidFill>
@@ -6148,7 +6148,7 @@
               </a:spcAft>
               <a:buNone/>
             </a:pPr>
-            <a:endParaRPr sz="1400">
+            <a:endParaRPr sz="1400" dirty="0">
               <a:solidFill>
                 <a:srgbClr val="000000"/>
               </a:solidFill>
@@ -6172,7 +6172,7 @@
               <a:buNone/>
             </a:pPr>
             <a:r>
-              <a:rPr lang="en" sz="1400">
+              <a:rPr lang="en" sz="1400" dirty="0">
                 <a:solidFill>
                   <a:srgbClr val="999999"/>
                 </a:solidFill>
@@ -6181,9 +6181,9 @@
                 <a:cs typeface="Consolas"/>
                 <a:sym typeface="Consolas"/>
               </a:rPr>
-              <a:t># Add a new record with user = “janeDoe” into test_table. id will be </a:t>
-            </a:r>
-            <a:br>
+              <a:t># Add a new record with user = “janeDoe” into test_table. id will </a:t>
+            </a:r>
+            <a:r>
               <a:rPr lang="en" sz="1400">
                 <a:solidFill>
                   <a:srgbClr val="999999"/>
@@ -6193,9 +6193,10 @@
                 <a:cs typeface="Consolas"/>
                 <a:sym typeface="Consolas"/>
               </a:rPr>
-            </a:br>
-            <a:r>
-              <a:rPr lang="en" sz="1400">
+              <a:t>be </a:t>
+            </a:r>
+            <a:r>
+              <a:rPr lang="en" sz="1400" smtClean="0">
                 <a:solidFill>
                   <a:srgbClr val="999999"/>
                 </a:solidFill>
@@ -6204,7 +6205,19 @@
                 <a:cs typeface="Consolas"/>
                 <a:sym typeface="Consolas"/>
               </a:rPr>
-              <a:t># automatically set to 2.</a:t>
+              <a:t>set </a:t>
+            </a:r>
+            <a:r>
+              <a:rPr lang="en" sz="1400" dirty="0">
+                <a:solidFill>
+                  <a:srgbClr val="999999"/>
+                </a:solidFill>
+                <a:latin typeface="Consolas"/>
+                <a:ea typeface="Consolas"/>
+                <a:cs typeface="Consolas"/>
+                <a:sym typeface="Consolas"/>
+              </a:rPr>
+              <a:t>to 2.</a:t>
             </a:r>
           </a:p>
           <a:p>
@@ -6221,7 +6234,7 @@
               <a:buNone/>
             </a:pPr>
             <a:r>
-              <a:rPr lang="en" sz="1400">
+              <a:rPr lang="en" sz="1400" dirty="0">
                 <a:solidFill>
                   <a:srgbClr val="000000"/>
                 </a:solidFill>
@@ -6247,7 +6260,7 @@
               <a:buNone/>
             </a:pPr>
             <a:r>
-              <a:rPr lang="en" sz="1400">
+              <a:rPr lang="en" sz="1400" dirty="0">
                 <a:solidFill>
                   <a:srgbClr val="000000"/>
                 </a:solidFill>
@@ -6272,7 +6285,7 @@
               </a:spcAft>
               <a:buNone/>
             </a:pPr>
-            <a:endParaRPr sz="1400">
+            <a:endParaRPr sz="1400" dirty="0">
               <a:solidFill>
                 <a:srgbClr val="000000"/>
               </a:solidFill>
@@ -6296,7 +6309,7 @@
               <a:buNone/>
             </a:pPr>
             <a:r>
-              <a:rPr lang="en" sz="1400">
+              <a:rPr lang="en" sz="1400" dirty="0">
                 <a:solidFill>
                   <a:srgbClr val="999999"/>
                 </a:solidFill>
@@ -6322,7 +6335,7 @@
               <a:buNone/>
             </a:pPr>
             <a:r>
-              <a:rPr lang="en" sz="1400">
+              <a:rPr lang="en" sz="1400" dirty="0">
                 <a:solidFill>
                   <a:srgbClr val="000000"/>
                 </a:solidFill>
@@ -6347,7 +6360,7 @@
               </a:spcAft>
               <a:buNone/>
             </a:pPr>
-            <a:endParaRPr sz="1400">
+            <a:endParaRPr sz="1400" dirty="0">
               <a:solidFill>
                 <a:srgbClr val="000000"/>
               </a:solidFill>
@@ -6371,7 +6384,7 @@
               <a:buNone/>
             </a:pPr>
             <a:r>
-              <a:rPr lang="en" sz="1400">
+              <a:rPr lang="en" sz="1400" dirty="0">
                 <a:solidFill>
                   <a:srgbClr val="999999"/>
                 </a:solidFill>
@@ -6397,7 +6410,7 @@
               <a:buNone/>
             </a:pPr>
             <a:r>
-              <a:rPr lang="en" sz="1400">
+              <a:rPr lang="en" sz="1400" dirty="0">
                 <a:solidFill>
                   <a:srgbClr val="000000"/>
                 </a:solidFill>
@@ -9088,7 +9101,7 @@
               <a:buNone/>
             </a:pPr>
             <a:r>
-              <a:rPr lang="en">
+              <a:rPr lang="en" dirty="0">
                 <a:solidFill>
                   <a:srgbClr val="000000"/>
                 </a:solidFill>
@@ -9100,7 +9113,7 @@
               <a:t>&gt; SHOW DATABASES;</a:t>
             </a:r>
             <a:r>
-              <a:rPr lang="en">
+              <a:rPr lang="en" dirty="0">
                 <a:latin typeface="Consolas"/>
                 <a:ea typeface="Consolas"/>
                 <a:cs typeface="Consolas"/>
@@ -9109,7 +9122,7 @@
               <a:t>        </a:t>
             </a:r>
             <a:r>
-              <a:rPr lang="en">
+              <a:rPr lang="en" dirty="0">
                 <a:solidFill>
                   <a:srgbClr val="999999"/>
                 </a:solidFill>
@@ -9135,7 +9148,7 @@
               <a:buNone/>
             </a:pPr>
             <a:r>
-              <a:rPr lang="en">
+              <a:rPr lang="en" dirty="0">
                 <a:solidFill>
                   <a:srgbClr val="000000"/>
                 </a:solidFill>
@@ -9147,7 +9160,7 @@
               <a:t>&gt; CREATE DATABASE test;  </a:t>
             </a:r>
             <a:r>
-              <a:rPr lang="en">
+              <a:rPr lang="en" dirty="0">
                 <a:solidFill>
                   <a:srgbClr val="999999"/>
                 </a:solidFill>
@@ -9173,7 +9186,7 @@
               <a:buNone/>
             </a:pPr>
             <a:r>
-              <a:rPr lang="en">
+              <a:rPr lang="en" dirty="0">
                 <a:solidFill>
                   <a:srgbClr val="000000"/>
                 </a:solidFill>
@@ -9185,7 +9198,7 @@
               <a:t>&gt; USE test;              </a:t>
             </a:r>
             <a:r>
-              <a:rPr lang="en">
+              <a:rPr lang="en" dirty="0">
                 <a:solidFill>
                   <a:srgbClr val="999999"/>
                 </a:solidFill>
@@ -9211,7 +9224,7 @@
               <a:buNone/>
             </a:pPr>
             <a:r>
-              <a:rPr lang="en">
+              <a:rPr lang="en" dirty="0">
                 <a:solidFill>
                   <a:srgbClr val="000000"/>
                 </a:solidFill>
@@ -9237,7 +9250,7 @@
               <a:buNone/>
             </a:pPr>
             <a:r>
-              <a:rPr lang="en">
+              <a:rPr lang="en" dirty="0">
                 <a:solidFill>
                   <a:srgbClr val="000000"/>
                 </a:solidFill>
@@ -9263,7 +9276,7 @@
               <a:buNone/>
             </a:pPr>
             <a:r>
-              <a:rPr lang="en">
+              <a:rPr lang="en" dirty="0">
                 <a:solidFill>
                   <a:srgbClr val="000000"/>
                 </a:solidFill>
@@ -9289,7 +9302,7 @@
               <a:buNone/>
             </a:pPr>
             <a:r>
-              <a:rPr lang="en">
+              <a:rPr lang="en" dirty="0">
                 <a:solidFill>
                   <a:srgbClr val="000000"/>
                 </a:solidFill>
@@ -9315,7 +9328,7 @@
               <a:buNone/>
             </a:pPr>
             <a:r>
-              <a:rPr lang="en">
+              <a:rPr lang="en" dirty="0">
                 <a:solidFill>
                   <a:srgbClr val="000000"/>
                 </a:solidFill>
@@ -9341,7 +9354,7 @@
               <a:buNone/>
             </a:pPr>
             <a:r>
-              <a:rPr lang="en">
+              <a:rPr lang="en" dirty="0">
                 <a:solidFill>
                   <a:srgbClr val="000000"/>
                 </a:solidFill>
@@ -9367,7 +9380,7 @@
               <a:buNone/>
             </a:pPr>
             <a:r>
-              <a:rPr lang="en">
+              <a:rPr lang="en" dirty="0">
                 <a:solidFill>
                   <a:srgbClr val="000000"/>
                 </a:solidFill>
@@ -9376,19 +9389,67 @@
                 <a:cs typeface="Consolas"/>
                 <a:sym typeface="Consolas"/>
               </a:rPr>
-              <a:t>&gt; SHOW TABLES;			  </a:t>
-            </a:r>
-            <a:r>
-              <a:rPr lang="en">
-                <a:solidFill>
-                  <a:srgbClr val="999999"/>
+              <a:t>&gt; SHOW TABLES</a:t>
+            </a:r>
+            <a:r>
+              <a:rPr lang="en" dirty="0" smtClean="0">
+                <a:solidFill>
+                  <a:srgbClr val="000000"/>
                 </a:solidFill>
                 <a:latin typeface="Consolas"/>
                 <a:ea typeface="Consolas"/>
                 <a:cs typeface="Consolas"/>
                 <a:sym typeface="Consolas"/>
               </a:rPr>
-              <a:t># show the tables in the database</a:t>
+              <a:t>;</a:t>
+            </a:r>
+            <a:r>
+              <a:rPr lang="en-US" dirty="0">
+                <a:solidFill>
+                  <a:srgbClr val="000000"/>
+                </a:solidFill>
+                <a:latin typeface="Consolas"/>
+                <a:ea typeface="Consolas"/>
+                <a:cs typeface="Consolas"/>
+                <a:sym typeface="Consolas"/>
+              </a:rPr>
+              <a:t>	</a:t>
+            </a:r>
+            <a:r>
+              <a:rPr lang="en-US" dirty="0" smtClean="0">
+                <a:solidFill>
+                  <a:srgbClr val="000000"/>
+                </a:solidFill>
+                <a:latin typeface="Consolas"/>
+                <a:ea typeface="Consolas"/>
+                <a:cs typeface="Consolas"/>
+                <a:sym typeface="Consolas"/>
+              </a:rPr>
+              <a:t>	  </a:t>
+            </a:r>
+            <a:r>
+              <a:rPr lang="en" dirty="0" smtClean="0">
+                <a:solidFill>
+                  <a:srgbClr val="999999"/>
+                </a:solidFill>
+                <a:latin typeface="Consolas"/>
+                <a:ea typeface="Consolas"/>
+                <a:cs typeface="Consolas"/>
+                <a:sym typeface="Consolas"/>
+              </a:rPr>
+              <a:t># </a:t>
+            </a:r>
+            <a:r>
+              <a:rPr lang="en" dirty="0">
+                <a:solidFill>
+                  <a:srgbClr val="999999"/>
+                </a:solidFill>
+                <a:latin typeface="Consolas"/>
+                <a:ea typeface="Consolas"/>
+                <a:cs typeface="Consolas"/>
+                <a:sym typeface="Consolas"/>
+              </a:rPr>
+              <a:t>show the tables in the database</a:t>
             </a:r>
           </a:p>
           <a:p>
@@ -9405,7 +9466,7 @@
               <a:buNone/>
             </a:pPr>
             <a:r>
-              <a:rPr lang="en">
+              <a:rPr lang="en" dirty="0">
                 <a:solidFill>
                   <a:srgbClr val="000000"/>
                 </a:solidFill>
@@ -9417,7 +9478,7 @@
               <a:t>&gt; DESC test_table;      </a:t>
             </a:r>
             <a:r>
-              <a:rPr lang="en">
+              <a:rPr lang="en" dirty="0">
                 <a:solidFill>
                   <a:srgbClr val="999999"/>
                 </a:solidFill>
